--- a/NIS2_kochanek.pptx
+++ b/NIS2_kochanek.pptx
@@ -11,23 +11,24 @@
     <p:sldId id="267" r:id="rId5"/>
     <p:sldId id="261" r:id="rId6"/>
     <p:sldId id="262" r:id="rId7"/>
-    <p:sldId id="263" r:id="rId8"/>
-    <p:sldId id="266" r:id="rId9"/>
-    <p:sldId id="268" r:id="rId10"/>
+    <p:sldId id="269" r:id="rId8"/>
+    <p:sldId id="263" r:id="rId9"/>
+    <p:sldId id="266" r:id="rId10"/>
+    <p:sldId id="268" r:id="rId11"/>
   </p:sldIdLst>
   <p:sldSz cx="9144000" cy="6858000" type="screen4x3"/>
   <p:notesSz cx="6858000" cy="9144000"/>
   <p:embeddedFontLst>
     <p:embeddedFont>
       <p:font typeface="Technika" panose="020B0604020202020204" charset="0"/>
-      <p:regular r:id="rId11"/>
-      <p:bold r:id="rId12"/>
-      <p:italic r:id="rId13"/>
-      <p:boldItalic r:id="rId14"/>
+      <p:regular r:id="rId12"/>
+      <p:bold r:id="rId13"/>
+      <p:italic r:id="rId14"/>
+      <p:boldItalic r:id="rId15"/>
     </p:embeddedFont>
     <p:embeddedFont>
       <p:font typeface="Technika-Bold" panose="00000600000000000000" charset="0"/>
-      <p:regular r:id="rId15"/>
+      <p:regular r:id="rId16"/>
     </p:embeddedFont>
   </p:embeddedFontLst>
   <p:defaultTextStyle>
@@ -1478,6 +1479,72 @@
 </p:sld>
 </file>
 
+<file path=ppt/slides/slide10.xml><?xml version="1.0" encoding="utf-8"?>
+<p:sld xmlns:a="http://schemas.openxmlformats.org/drawingml/2006/main" xmlns:r="http://schemas.openxmlformats.org/officeDocument/2006/relationships" xmlns:p="http://schemas.openxmlformats.org/presentationml/2006/main">
+  <p:cSld>
+    <p:spTree>
+      <p:nvGrpSpPr>
+        <p:cNvPr id="1" name=""/>
+        <p:cNvGrpSpPr/>
+        <p:nvPr/>
+      </p:nvGrpSpPr>
+      <p:grpSpPr>
+        <a:xfrm>
+          <a:off x="0" y="0"/>
+          <a:ext cx="0" cy="0"/>
+          <a:chOff x="0" y="0"/>
+          <a:chExt cx="0" cy="0"/>
+        </a:xfrm>
+      </p:grpSpPr>
+      <p:sp>
+        <p:nvSpPr>
+          <p:cNvPr id="2" name="Title 1">
+            <a:extLst>
+              <a:ext uri="{FF2B5EF4-FFF2-40B4-BE49-F238E27FC236}">
+                <a16:creationId xmlns:a16="http://schemas.microsoft.com/office/drawing/2014/main" id="{04995FE9-4828-1717-41AC-499130A045A0}"/>
+              </a:ext>
+            </a:extLst>
+          </p:cNvPr>
+          <p:cNvSpPr>
+            <a:spLocks noGrp="1"/>
+          </p:cNvSpPr>
+          <p:nvPr>
+            <p:ph type="ctrTitle"/>
+          </p:nvPr>
+        </p:nvSpPr>
+        <p:spPr>
+          <a:xfrm>
+            <a:off x="703653" y="2646945"/>
+            <a:ext cx="7736694" cy="1446663"/>
+          </a:xfrm>
+        </p:spPr>
+        <p:txBody>
+          <a:bodyPr>
+            <a:normAutofit/>
+          </a:bodyPr>
+          <a:lstStyle/>
+          <a:p>
+            <a:r>
+              <a:rPr lang="cs-CZ" sz="6000" dirty="0"/>
+              <a:t>Děkuji za pozornost</a:t>
+            </a:r>
+            <a:endParaRPr lang="en-US" sz="6000" dirty="0"/>
+          </a:p>
+        </p:txBody>
+      </p:sp>
+    </p:spTree>
+    <p:extLst>
+      <p:ext uri="{BB962C8B-B14F-4D97-AF65-F5344CB8AC3E}">
+        <p14:creationId xmlns:p14="http://schemas.microsoft.com/office/powerpoint/2010/main" val="645034082"/>
+      </p:ext>
+    </p:extLst>
+  </p:cSld>
+  <p:clrMapOvr>
+    <a:masterClrMapping/>
+  </p:clrMapOvr>
+</p:sld>
+</file>
+
 <file path=ppt/slides/slide2.xml><?xml version="1.0" encoding="utf-8"?>
 <p:sld xmlns:a="http://schemas.openxmlformats.org/drawingml/2006/main" xmlns:r="http://schemas.openxmlformats.org/officeDocument/2006/relationships" xmlns:p="http://schemas.openxmlformats.org/presentationml/2006/main">
   <p:cSld>
@@ -1547,8 +1614,8 @@
         </p:nvSpPr>
         <p:spPr>
           <a:xfrm>
-            <a:off x="249016" y="1644547"/>
-            <a:ext cx="9532547" cy="3414766"/>
+            <a:off x="58723" y="1801160"/>
+            <a:ext cx="8549708" cy="3255680"/>
           </a:xfrm>
         </p:spPr>
         <p:txBody>
@@ -1695,8 +1762,8 @@
         </p:nvSpPr>
         <p:spPr>
           <a:xfrm>
-            <a:off x="139959" y="1567544"/>
-            <a:ext cx="9843061" cy="3645910"/>
+            <a:off x="259329" y="1451600"/>
+            <a:ext cx="8660213" cy="3607408"/>
           </a:xfrm>
         </p:spPr>
         <p:txBody>
@@ -2055,8 +2122,8 @@
         </p:nvSpPr>
         <p:spPr>
           <a:xfrm>
-            <a:off x="139959" y="1567544"/>
-            <a:ext cx="9843061" cy="3645910"/>
+            <a:off x="139960" y="1567544"/>
+            <a:ext cx="8576202" cy="3645910"/>
           </a:xfrm>
         </p:spPr>
         <p:txBody>
@@ -2069,7 +2136,49 @@
               <a:rPr lang="cs-CZ" dirty="0">
                 <a:latin typeface="+mj-lt"/>
               </a:rPr>
-              <a:t>Tři základní dokumenty pro Kybernetickou Bezpečnost v ČR:</a:t>
+              <a:t>Tři základní dokumenty pro</a:t>
+            </a:r>
+            <a:r>
+              <a:rPr lang="en-US" dirty="0">
+                <a:latin typeface="+mj-lt"/>
+              </a:rPr>
+              <a:t> </a:t>
+            </a:r>
+            <a:r>
+              <a:rPr lang="en-US" dirty="0" err="1">
+                <a:latin typeface="+mj-lt"/>
+              </a:rPr>
+              <a:t>řízení</a:t>
+            </a:r>
+            <a:r>
+              <a:rPr lang="cs-CZ" dirty="0">
+                <a:latin typeface="+mj-lt"/>
+              </a:rPr>
+              <a:t> Kybernetick</a:t>
+            </a:r>
+            <a:r>
+              <a:rPr lang="en-US" dirty="0">
+                <a:latin typeface="+mj-lt"/>
+              </a:rPr>
+              <a:t>é</a:t>
+            </a:r>
+            <a:r>
+              <a:rPr lang="cs-CZ" dirty="0">
+                <a:latin typeface="+mj-lt"/>
+              </a:rPr>
+              <a:t> Bezpečnost</a:t>
+            </a:r>
+            <a:r>
+              <a:rPr lang="en-US" dirty="0" err="1">
+                <a:latin typeface="+mj-lt"/>
+              </a:rPr>
+              <a:t>i</a:t>
+            </a:r>
+            <a:r>
+              <a:rPr lang="cs-CZ" dirty="0">
+                <a:latin typeface="+mj-lt"/>
+              </a:rPr>
+              <a:t> v ČR:</a:t>
             </a:r>
           </a:p>
           <a:p>
@@ -2239,8 +2348,8 @@
         </p:nvSpPr>
         <p:spPr>
           <a:xfrm>
-            <a:off x="139959" y="1567544"/>
-            <a:ext cx="9843061" cy="5641124"/>
+            <a:off x="234831" y="1300294"/>
+            <a:ext cx="8674337" cy="5841262"/>
           </a:xfrm>
         </p:spPr>
         <p:txBody>
@@ -2253,7 +2362,19 @@
               <a:rPr lang="cs-CZ" sz="2000" dirty="0">
                 <a:latin typeface="+mj-lt"/>
               </a:rPr>
-              <a:t> - Vyvíjející se kybernetické hrozby: Od zavedení původní směrnice NIS v roce 2016 se prostředí bezpečnosti IT výrazně změnilo. Směrnice NIS2 byla navržena s cílem přizpůsobit se těmto rychle se vyvíjejícím kybernetickým hrozbám</a:t>
+              <a:t> - Vyvíjející se kybernetické hrozby: Od zavedení původní směrnice NIS</a:t>
+            </a:r>
+            <a:r>
+              <a:rPr lang="en-US" sz="2000" dirty="0">
+                <a:latin typeface="+mj-lt"/>
+              </a:rPr>
+              <a:t>1</a:t>
+            </a:r>
+            <a:r>
+              <a:rPr lang="cs-CZ" sz="2000" dirty="0">
+                <a:latin typeface="+mj-lt"/>
+              </a:rPr>
+              <a:t> v roce 2016 se prostředí bezpečnosti IT výrazně změnilo. Směrnice NIS2 byla navržena s cílem přizpůsobit se těmto rychle se vyvíjejícím kybernetickým hrozbám</a:t>
             </a:r>
           </a:p>
           <a:p>
@@ -2266,7 +2387,19 @@
               <a:rPr lang="cs-CZ" sz="2000" dirty="0">
                 <a:latin typeface="+mj-lt"/>
               </a:rPr>
-              <a:t>- Rozšiřující se oblast působnost: Cílem směrnice NIS2 je rozšířit oblast působnosti původní směrnice NIS. Má v úmyslu zahrnout další služby a zvýšit požadavky na podávání zpráv.</a:t>
+              <a:t>- Rozšiřující se oblast působnost: Cílem směrnice NIS2 je rozšířit oblast působnosti původní směrnice NIS</a:t>
+            </a:r>
+            <a:r>
+              <a:rPr lang="en-US" sz="2000" dirty="0">
+                <a:latin typeface="+mj-lt"/>
+              </a:rPr>
+              <a:t>1</a:t>
+            </a:r>
+            <a:r>
+              <a:rPr lang="cs-CZ" sz="2000" dirty="0">
+                <a:latin typeface="+mj-lt"/>
+              </a:rPr>
+              <a:t>. Má v úmyslu zahrnout další služby a zvýšit požadavky na podávání zpráv.</a:t>
             </a:r>
           </a:p>
           <a:p>
@@ -2382,8 +2515,8 @@
         </p:nvSpPr>
         <p:spPr>
           <a:xfrm>
-            <a:off x="139959" y="1132537"/>
-            <a:ext cx="9843061" cy="5854189"/>
+            <a:off x="274913" y="1142073"/>
+            <a:ext cx="7736694" cy="5342179"/>
           </a:xfrm>
         </p:spPr>
         <p:txBody>
@@ -2392,427 +2525,54 @@
           </a:bodyPr>
           <a:lstStyle/>
           <a:p>
-            <a:endParaRPr lang="en-US" sz="2000" dirty="0"/>
-          </a:p>
-          <a:p>
-            <a:r>
-              <a:rPr lang="en-US" sz="2000" dirty="0"/>
-              <a:t> - </a:t>
-            </a:r>
-            <a:r>
-              <a:rPr lang="en-US" sz="2000" dirty="0" err="1"/>
-              <a:t>Rozšířená</a:t>
-            </a:r>
-            <a:r>
-              <a:rPr lang="en-US" sz="2000" dirty="0"/>
-              <a:t> oblast </a:t>
-            </a:r>
-            <a:r>
-              <a:rPr lang="en-US" sz="2000" dirty="0" err="1"/>
-              <a:t>působnosti</a:t>
-            </a:r>
-            <a:r>
-              <a:rPr lang="en-US" sz="2000" dirty="0"/>
-              <a:t>:</a:t>
-            </a:r>
-          </a:p>
-          <a:p>
-            <a:r>
-              <a:rPr lang="en-US" sz="2000" dirty="0"/>
-              <a:t>NIS2 </a:t>
-            </a:r>
-            <a:r>
-              <a:rPr lang="en-US" sz="2000" dirty="0" err="1"/>
-              <a:t>zahrnuje</a:t>
-            </a:r>
-            <a:r>
-              <a:rPr lang="en-US" sz="2000" dirty="0"/>
-              <a:t> </a:t>
-            </a:r>
-            <a:r>
-              <a:rPr lang="en-US" sz="2000" dirty="0" err="1"/>
-              <a:t>více</a:t>
-            </a:r>
-            <a:r>
-              <a:rPr lang="en-US" sz="2000" dirty="0"/>
-              <a:t> </a:t>
-            </a:r>
-            <a:r>
-              <a:rPr lang="en-US" sz="2000" dirty="0" err="1"/>
-              <a:t>odvětví</a:t>
-            </a:r>
-            <a:r>
-              <a:rPr lang="en-US" sz="2000" dirty="0"/>
-              <a:t>, </a:t>
-            </a:r>
-            <a:r>
-              <a:rPr lang="en-US" sz="2000" dirty="0" err="1"/>
-              <a:t>například</a:t>
-            </a:r>
-            <a:r>
-              <a:rPr lang="en-US" sz="2000" dirty="0"/>
-              <a:t> </a:t>
-            </a:r>
-            <a:r>
-              <a:rPr lang="en-US" sz="2000" dirty="0" err="1"/>
-              <a:t>digitální</a:t>
-            </a:r>
-            <a:r>
-              <a:rPr lang="en-US" sz="2000" dirty="0"/>
-              <a:t> </a:t>
-            </a:r>
-            <a:r>
-              <a:rPr lang="en-US" sz="2000" dirty="0" err="1"/>
-              <a:t>infrastrukturu</a:t>
-            </a:r>
-            <a:r>
-              <a:rPr lang="en-US" sz="2000" dirty="0"/>
-              <a:t> a online </a:t>
-            </a:r>
-            <a:r>
-              <a:rPr lang="en-US" sz="2000" dirty="0" err="1"/>
-              <a:t>služby</a:t>
-            </a:r>
-            <a:r>
-              <a:rPr lang="en-US" sz="2000" dirty="0"/>
-              <a:t>.</a:t>
-            </a:r>
-          </a:p>
-          <a:p>
-            <a:endParaRPr lang="en-US" sz="2000" dirty="0"/>
-          </a:p>
-          <a:p>
-            <a:r>
-              <a:rPr lang="en-US" sz="2000" dirty="0"/>
-              <a:t>- </a:t>
-            </a:r>
-            <a:r>
-              <a:rPr lang="en-US" sz="2000" dirty="0" err="1"/>
-              <a:t>Posílená</a:t>
-            </a:r>
-            <a:r>
-              <a:rPr lang="en-US" sz="2000" dirty="0"/>
-              <a:t> </a:t>
-            </a:r>
-            <a:r>
-              <a:rPr lang="en-US" sz="2000" dirty="0" err="1"/>
-              <a:t>bezpečnostní</a:t>
-            </a:r>
-            <a:r>
-              <a:rPr lang="en-US" sz="2000" dirty="0"/>
-              <a:t> </a:t>
-            </a:r>
-            <a:r>
-              <a:rPr lang="en-US" sz="2000" dirty="0" err="1"/>
-              <a:t>opatření</a:t>
-            </a:r>
-            <a:r>
-              <a:rPr lang="en-US" sz="2000" dirty="0"/>
-              <a:t>:</a:t>
-            </a:r>
-          </a:p>
-          <a:p>
-            <a:r>
-              <a:rPr lang="en-US" sz="2000" dirty="0" err="1"/>
-              <a:t>Byly</a:t>
-            </a:r>
-            <a:r>
-              <a:rPr lang="en-US" sz="2000" dirty="0"/>
-              <a:t> </a:t>
-            </a:r>
-            <a:r>
-              <a:rPr lang="en-US" sz="2000" dirty="0" err="1"/>
-              <a:t>zavedeny</a:t>
-            </a:r>
-            <a:r>
-              <a:rPr lang="en-US" sz="2000" dirty="0"/>
-              <a:t> </a:t>
-            </a:r>
-            <a:r>
-              <a:rPr lang="en-US" sz="2000" dirty="0" err="1"/>
-              <a:t>další</a:t>
-            </a:r>
-            <a:r>
-              <a:rPr lang="en-US" sz="2000" dirty="0"/>
-              <a:t> </a:t>
-            </a:r>
-            <a:r>
-              <a:rPr lang="en-US" sz="2000" dirty="0" err="1"/>
-              <a:t>požadavky</a:t>
-            </a:r>
-            <a:r>
-              <a:rPr lang="en-US" sz="2000" dirty="0"/>
-              <a:t> </a:t>
-            </a:r>
-            <a:r>
-              <a:rPr lang="en-US" sz="2000" dirty="0" err="1"/>
-              <a:t>na</a:t>
-            </a:r>
-            <a:r>
-              <a:rPr lang="en-US" sz="2000" dirty="0"/>
-              <a:t> </a:t>
-            </a:r>
-            <a:r>
-              <a:rPr lang="en-US" sz="2000" dirty="0" err="1"/>
-              <a:t>řízení</a:t>
-            </a:r>
-            <a:r>
-              <a:rPr lang="en-US" sz="2000" dirty="0"/>
-              <a:t> a </a:t>
-            </a:r>
-            <a:r>
-              <a:rPr lang="en-US" sz="2000" dirty="0" err="1"/>
-              <a:t>opatření</a:t>
-            </a:r>
-            <a:r>
-              <a:rPr lang="en-US" sz="2000" dirty="0"/>
-              <a:t> k </a:t>
-            </a:r>
-            <a:r>
-              <a:rPr lang="en-US" sz="2000" dirty="0" err="1"/>
-              <a:t>řízení</a:t>
-            </a:r>
-            <a:r>
-              <a:rPr lang="en-US" sz="2000" dirty="0"/>
-              <a:t> </a:t>
-            </a:r>
-            <a:r>
-              <a:rPr lang="en-US" sz="2000" dirty="0" err="1"/>
-              <a:t>rizik</a:t>
-            </a:r>
-            <a:r>
-              <a:rPr lang="en-US" sz="2000" dirty="0"/>
-              <a:t>.</a:t>
-            </a:r>
-          </a:p>
-          <a:p>
-            <a:endParaRPr lang="en-US" sz="2000" dirty="0"/>
-          </a:p>
-          <a:p>
-            <a:r>
-              <a:rPr lang="en-US" sz="2000" dirty="0"/>
-              <a:t>- </a:t>
-            </a:r>
-            <a:r>
-              <a:rPr lang="en-US" sz="2000" dirty="0" err="1"/>
-              <a:t>Rozšířené</a:t>
-            </a:r>
-            <a:r>
-              <a:rPr lang="en-US" sz="2000" dirty="0"/>
-              <a:t> </a:t>
-            </a:r>
-            <a:r>
-              <a:rPr lang="en-US" sz="2000" dirty="0" err="1"/>
-              <a:t>povinnosti</a:t>
-            </a:r>
-            <a:r>
-              <a:rPr lang="en-US" sz="2000" dirty="0"/>
-              <a:t> </a:t>
-            </a:r>
-            <a:r>
-              <a:rPr lang="en-US" sz="2000" dirty="0" err="1"/>
-              <a:t>podávání</a:t>
-            </a:r>
-            <a:r>
-              <a:rPr lang="en-US" sz="2000" dirty="0"/>
-              <a:t> </a:t>
-            </a:r>
-            <a:r>
-              <a:rPr lang="en-US" sz="2000" dirty="0" err="1"/>
-              <a:t>zpráv</a:t>
-            </a:r>
-            <a:r>
-              <a:rPr lang="en-US" sz="2000" dirty="0"/>
-              <a:t>:</a:t>
-            </a:r>
-          </a:p>
-          <a:p>
-            <a:r>
-              <a:rPr lang="en-US" sz="2000" dirty="0" err="1"/>
-              <a:t>Rychlejší</a:t>
-            </a:r>
-            <a:r>
-              <a:rPr lang="en-US" sz="2000" dirty="0"/>
-              <a:t> </a:t>
-            </a:r>
-            <a:r>
-              <a:rPr lang="en-US" sz="2000" dirty="0" err="1"/>
-              <a:t>hlášení</a:t>
-            </a:r>
-            <a:r>
-              <a:rPr lang="en-US" sz="2000" dirty="0"/>
-              <a:t> </a:t>
-            </a:r>
-            <a:r>
-              <a:rPr lang="en-US" sz="2000" dirty="0" err="1"/>
-              <a:t>incidentů</a:t>
-            </a:r>
-            <a:r>
-              <a:rPr lang="en-US" sz="2000" dirty="0"/>
-              <a:t> (24 </a:t>
-            </a:r>
-            <a:r>
-              <a:rPr lang="en-US" sz="2000" dirty="0" err="1"/>
-              <a:t>hodin</a:t>
-            </a:r>
-            <a:r>
-              <a:rPr lang="en-US" sz="2000" dirty="0"/>
-              <a:t>), </a:t>
-            </a:r>
-            <a:r>
-              <a:rPr lang="en-US" sz="2000" dirty="0" err="1"/>
-              <a:t>včetně</a:t>
-            </a:r>
-            <a:r>
-              <a:rPr lang="en-US" sz="2000" dirty="0"/>
-              <a:t> </a:t>
-            </a:r>
-            <a:r>
-              <a:rPr lang="en-US" sz="2000" dirty="0" err="1"/>
-              <a:t>hlášení</a:t>
-            </a:r>
-            <a:r>
-              <a:rPr lang="en-US" sz="2000" dirty="0"/>
-              <a:t> </a:t>
-            </a:r>
-            <a:r>
-              <a:rPr lang="en-US" sz="2000" dirty="0" err="1"/>
-              <a:t>příjemcům</a:t>
-            </a:r>
-            <a:r>
-              <a:rPr lang="en-US" sz="2000" dirty="0"/>
-              <a:t> </a:t>
-            </a:r>
-            <a:r>
-              <a:rPr lang="en-US" sz="2000" dirty="0" err="1"/>
-              <a:t>služeb</a:t>
-            </a:r>
-            <a:r>
-              <a:rPr lang="en-US" sz="2000" dirty="0"/>
-              <a:t> a </a:t>
-            </a:r>
-            <a:r>
-              <a:rPr lang="en-US" sz="2000" dirty="0" err="1"/>
-              <a:t>veřejnosti</a:t>
-            </a:r>
-            <a:r>
-              <a:rPr lang="en-US" sz="2000" dirty="0"/>
-              <a:t> v </a:t>
-            </a:r>
-            <a:r>
-              <a:rPr lang="en-US" sz="2000" dirty="0" err="1"/>
-              <a:t>závažných</a:t>
-            </a:r>
-            <a:r>
-              <a:rPr lang="en-US" sz="2000" dirty="0"/>
-              <a:t> </a:t>
-            </a:r>
-            <a:r>
-              <a:rPr lang="en-US" sz="2000" dirty="0" err="1"/>
-              <a:t>případech</a:t>
-            </a:r>
-            <a:r>
-              <a:rPr lang="en-US" sz="2000" dirty="0"/>
-              <a:t>.</a:t>
-            </a:r>
-          </a:p>
-          <a:p>
-            <a:endParaRPr lang="en-US" sz="2000" dirty="0"/>
-          </a:p>
-          <a:p>
-            <a:r>
-              <a:rPr lang="en-US" sz="2000" dirty="0"/>
-              <a:t>- </a:t>
-            </a:r>
-            <a:r>
-              <a:rPr lang="en-US" sz="2000" dirty="0" err="1"/>
-              <a:t>Zvýšení</a:t>
-            </a:r>
-            <a:r>
-              <a:rPr lang="en-US" sz="2000" dirty="0"/>
-              <a:t> </a:t>
-            </a:r>
-            <a:r>
-              <a:rPr lang="en-US" sz="2000" dirty="0" err="1"/>
-              <a:t>pokut</a:t>
-            </a:r>
-            <a:r>
-              <a:rPr lang="en-US" sz="2000" dirty="0"/>
-              <a:t> a </a:t>
-            </a:r>
-            <a:r>
-              <a:rPr lang="en-US" sz="2000" dirty="0" err="1"/>
-              <a:t>sankcí</a:t>
-            </a:r>
-            <a:r>
-              <a:rPr lang="en-US" sz="2000" dirty="0"/>
-              <a:t>:</a:t>
-            </a:r>
-          </a:p>
-          <a:p>
-            <a:r>
-              <a:rPr lang="en-US" sz="2000" dirty="0" err="1"/>
-              <a:t>Vyšší</a:t>
-            </a:r>
-            <a:r>
-              <a:rPr lang="en-US" sz="2000" dirty="0"/>
-              <a:t> </a:t>
-            </a:r>
-            <a:r>
-              <a:rPr lang="en-US" sz="2000" dirty="0" err="1"/>
-              <a:t>potenciální</a:t>
-            </a:r>
-            <a:r>
-              <a:rPr lang="en-US" sz="2000" dirty="0"/>
-              <a:t> </a:t>
-            </a:r>
-            <a:r>
-              <a:rPr lang="en-US" sz="2000" dirty="0" err="1"/>
-              <a:t>pokuty</a:t>
-            </a:r>
-            <a:r>
-              <a:rPr lang="en-US" sz="2000" dirty="0"/>
-              <a:t> a </a:t>
-            </a:r>
-            <a:r>
-              <a:rPr lang="en-US" sz="2000" dirty="0" err="1"/>
-              <a:t>rozšířené</a:t>
-            </a:r>
-            <a:r>
-              <a:rPr lang="en-US" sz="2000" dirty="0"/>
-              <a:t> </a:t>
-            </a:r>
-            <a:r>
-              <a:rPr lang="en-US" sz="2000" dirty="0" err="1"/>
-              <a:t>možnosti</a:t>
-            </a:r>
-            <a:r>
-              <a:rPr lang="en-US" sz="2000" dirty="0"/>
-              <a:t> </a:t>
-            </a:r>
-            <a:r>
-              <a:rPr lang="en-US" sz="2000" dirty="0" err="1"/>
-              <a:t>vymáhání</a:t>
-            </a:r>
-            <a:r>
-              <a:rPr lang="en-US" sz="2000" dirty="0"/>
-              <a:t> pro </a:t>
-            </a:r>
-            <a:r>
-              <a:rPr lang="en-US" sz="2000" dirty="0" err="1"/>
-              <a:t>příslušné</a:t>
-            </a:r>
-            <a:r>
-              <a:rPr lang="en-US" sz="2000" dirty="0"/>
-              <a:t> </a:t>
-            </a:r>
-            <a:r>
-              <a:rPr lang="en-US" sz="2000" dirty="0" err="1"/>
-              <a:t>orgány</a:t>
-            </a:r>
-            <a:r>
-              <a:rPr lang="en-US" sz="2000" dirty="0"/>
-              <a:t>.</a:t>
+            <a:endParaRPr lang="cs-CZ" sz="2000" dirty="0"/>
+          </a:p>
+          <a:p>
+            <a:r>
+              <a:rPr lang="cs-CZ" sz="2000" dirty="0"/>
+              <a:t> - Rozšířená oblast působnosti:</a:t>
+            </a:r>
+          </a:p>
+          <a:p>
+            <a:r>
+              <a:rPr lang="cs-CZ" sz="2000" dirty="0"/>
+              <a:t>NIS2 zahrnuje více odvětví, například digitální infrastrukturu a online služby.</a:t>
+            </a:r>
+          </a:p>
+          <a:p>
+            <a:r>
+              <a:rPr lang="cs-CZ" sz="2000" dirty="0"/>
+              <a:t>- Posílená bezpečnostní opatření:</a:t>
+            </a:r>
+          </a:p>
+          <a:p>
+            <a:r>
+              <a:rPr lang="cs-CZ" sz="2000" dirty="0"/>
+              <a:t>Byly zavedeny další požadavky na řízení a opatření k řízení rizik.</a:t>
+            </a:r>
+          </a:p>
+          <a:p>
+            <a:r>
+              <a:rPr lang="cs-CZ" sz="2000" dirty="0"/>
+              <a:t>- Rozšířené povinnosti podávání zpráv:</a:t>
+            </a:r>
+          </a:p>
+          <a:p>
+            <a:r>
+              <a:rPr lang="cs-CZ" sz="2000" dirty="0"/>
+              <a:t>Rychlejší hlášení incidentů (24 hodin), včetně hlášení příjemcům služeb a veřejnosti v závažných případech.</a:t>
+            </a:r>
+          </a:p>
+          <a:p>
+            <a:r>
+              <a:rPr lang="cs-CZ" sz="2000" dirty="0"/>
+              <a:t>- Zvýšení pokut a sankcí:</a:t>
+            </a:r>
+          </a:p>
+          <a:p>
+            <a:r>
+              <a:rPr lang="cs-CZ" sz="2000" dirty="0"/>
+              <a:t>Vyšší potenciální pokuty a rozšířené možnosti vymáhání pro příslušné orgány.</a:t>
             </a:r>
           </a:p>
         </p:txBody>
@@ -2902,8 +2662,8 @@
         </p:nvSpPr>
         <p:spPr>
           <a:xfrm>
-            <a:off x="139959" y="1567544"/>
-            <a:ext cx="9843061" cy="3645910"/>
+            <a:off x="243281" y="1375794"/>
+            <a:ext cx="8347167" cy="3678269"/>
           </a:xfrm>
         </p:spPr>
         <p:txBody>
@@ -3209,166 +2969,6 @@
               <a:buAutoNum type="arabicPeriod"/>
             </a:pPr>
             <a:r>
-              <a:rPr lang="cs-CZ" sz="2000" b="1" i="0" dirty="0">
-                <a:effectLst/>
-                <a:latin typeface="+mj-lt"/>
-              </a:rPr>
-              <a:t> </a:t>
-            </a:r>
-            <a:r>
-              <a:rPr lang="en-US" sz="2000" b="1" i="0" dirty="0" err="1">
-                <a:effectLst/>
-                <a:latin typeface="+mj-lt"/>
-              </a:rPr>
-              <a:t>Digitální</a:t>
-            </a:r>
-            <a:r>
-              <a:rPr lang="en-US" sz="2000" b="1" i="0" dirty="0">
-                <a:effectLst/>
-                <a:latin typeface="+mj-lt"/>
-              </a:rPr>
-              <a:t> </a:t>
-            </a:r>
-            <a:r>
-              <a:rPr lang="en-US" sz="2000" b="1" i="0" dirty="0" err="1">
-                <a:effectLst/>
-                <a:latin typeface="+mj-lt"/>
-              </a:rPr>
-              <a:t>služby</a:t>
-            </a:r>
-            <a:r>
-              <a:rPr lang="en-US" sz="2000" b="0" i="0" dirty="0">
-                <a:effectLst/>
-                <a:latin typeface="+mj-lt"/>
-              </a:rPr>
-              <a:t>: </a:t>
-            </a:r>
-            <a:r>
-              <a:rPr lang="en-US" sz="2000" b="0" i="0" dirty="0" err="1">
-                <a:effectLst/>
-                <a:latin typeface="+mj-lt"/>
-              </a:rPr>
-              <a:t>Zařazeny</a:t>
-            </a:r>
-            <a:r>
-              <a:rPr lang="en-US" sz="2000" b="0" i="0" dirty="0">
-                <a:effectLst/>
-                <a:latin typeface="+mj-lt"/>
-              </a:rPr>
-              <a:t> </a:t>
-            </a:r>
-            <a:r>
-              <a:rPr lang="en-US" sz="2000" b="0" i="0" dirty="0" err="1">
-                <a:effectLst/>
-                <a:latin typeface="+mj-lt"/>
-              </a:rPr>
-              <a:t>nové</a:t>
-            </a:r>
-            <a:r>
-              <a:rPr lang="en-US" sz="2000" b="0" i="0" dirty="0">
-                <a:effectLst/>
-                <a:latin typeface="+mj-lt"/>
-              </a:rPr>
-              <a:t> </a:t>
-            </a:r>
-            <a:r>
-              <a:rPr lang="en-US" sz="2000" b="0" i="0" dirty="0" err="1">
-                <a:effectLst/>
-                <a:latin typeface="+mj-lt"/>
-              </a:rPr>
-              <a:t>digitální</a:t>
-            </a:r>
-            <a:r>
-              <a:rPr lang="en-US" sz="2000" b="0" i="0" dirty="0">
-                <a:effectLst/>
-                <a:latin typeface="+mj-lt"/>
-              </a:rPr>
-              <a:t> </a:t>
-            </a:r>
-            <a:r>
-              <a:rPr lang="en-US" sz="2000" b="0" i="0" dirty="0" err="1">
-                <a:effectLst/>
-                <a:latin typeface="+mj-lt"/>
-              </a:rPr>
-              <a:t>služby</a:t>
-            </a:r>
-            <a:r>
-              <a:rPr lang="en-US" sz="2000" b="0" i="0" dirty="0">
-                <a:effectLst/>
-                <a:latin typeface="+mj-lt"/>
-              </a:rPr>
-              <a:t> </a:t>
-            </a:r>
-            <a:r>
-              <a:rPr lang="en-US" sz="2000" b="0" i="0" dirty="0" err="1">
-                <a:effectLst/>
-                <a:latin typeface="+mj-lt"/>
-              </a:rPr>
-              <a:t>jako</a:t>
-            </a:r>
-            <a:r>
-              <a:rPr lang="en-US" sz="2000" b="0" i="0" dirty="0">
-                <a:effectLst/>
-                <a:latin typeface="+mj-lt"/>
-              </a:rPr>
-              <a:t> </a:t>
-            </a:r>
-            <a:r>
-              <a:rPr lang="en-US" sz="2000" b="0" i="0" dirty="0" err="1">
-                <a:effectLst/>
-                <a:latin typeface="+mj-lt"/>
-              </a:rPr>
-              <a:t>vyhledávače</a:t>
-            </a:r>
-            <a:r>
-              <a:rPr lang="en-US" sz="2000" b="0" i="0" dirty="0">
-                <a:effectLst/>
-                <a:latin typeface="+mj-lt"/>
-              </a:rPr>
-              <a:t>, cloud computing a </a:t>
-            </a:r>
-            <a:r>
-              <a:rPr lang="en-US" sz="2000" b="0" i="0" dirty="0" err="1">
-                <a:effectLst/>
-                <a:latin typeface="+mj-lt"/>
-              </a:rPr>
-              <a:t>elektronická</a:t>
-            </a:r>
-            <a:r>
-              <a:rPr lang="en-US" sz="2000" b="0" i="0" dirty="0">
-                <a:effectLst/>
-                <a:latin typeface="+mj-lt"/>
-              </a:rPr>
-              <a:t> </a:t>
-            </a:r>
-            <a:r>
-              <a:rPr lang="en-US" sz="2000" b="0" i="0" dirty="0" err="1">
-                <a:effectLst/>
-                <a:latin typeface="+mj-lt"/>
-              </a:rPr>
-              <a:t>tržiště</a:t>
-            </a:r>
-            <a:r>
-              <a:rPr lang="en-US" sz="2000" b="0" i="0" dirty="0">
-                <a:effectLst/>
-                <a:latin typeface="+mj-lt"/>
-              </a:rPr>
-              <a:t>.</a:t>
-            </a:r>
-          </a:p>
-          <a:p>
-            <a:pPr algn="l">
-              <a:buFont typeface="+mj-lt"/>
-              <a:buAutoNum type="arabicPeriod"/>
-            </a:pPr>
-            <a:r>
-              <a:rPr lang="cs-CZ" sz="2000" b="1" i="0" dirty="0">
-                <a:effectLst/>
-                <a:latin typeface="+mj-lt"/>
-              </a:rPr>
-              <a:t> </a:t>
-            </a:r>
-            <a:r>
               <a:rPr lang="en-US" sz="2000" b="1" i="0" dirty="0" err="1">
                 <a:effectLst/>
                 <a:latin typeface="+mj-lt"/>
@@ -3959,7 +3559,7 @@
     </p:spTree>
     <p:extLst>
       <p:ext uri="{BB962C8B-B14F-4D97-AF65-F5344CB8AC3E}">
-        <p14:creationId xmlns:p14="http://schemas.microsoft.com/office/powerpoint/2010/main" val="3340869132"/>
+        <p14:creationId xmlns:p14="http://schemas.microsoft.com/office/powerpoint/2010/main" val="3408622226"/>
       </p:ext>
     </p:extLst>
   </p:cSld>
@@ -4014,7 +3614,15 @@
           <a:p>
             <a:r>
               <a:rPr lang="en-US" dirty="0" err="1"/>
-              <a:t>Závěr</a:t>
+              <a:t>Nový</a:t>
+            </a:r>
+            <a:r>
+              <a:rPr lang="en-US" dirty="0"/>
+              <a:t> ZoKB a </a:t>
+            </a:r>
+            <a:r>
+              <a:rPr lang="en-US" dirty="0" err="1"/>
+              <a:t>zdravotnictví</a:t>
             </a:r>
             <a:endParaRPr lang="en-US" dirty="0"/>
           </a:p>
@@ -4038,571 +3646,45 @@
         </p:nvSpPr>
         <p:spPr>
           <a:xfrm>
-            <a:off x="139959" y="1567543"/>
-            <a:ext cx="9843061" cy="4007633"/>
+            <a:off x="243281" y="1749256"/>
+            <a:ext cx="8347167" cy="3678269"/>
           </a:xfrm>
         </p:spPr>
         <p:txBody>
           <a:bodyPr>
-            <a:normAutofit/>
+            <a:noAutofit/>
           </a:bodyPr>
           <a:lstStyle/>
           <a:p>
-            <a:r>
-              <a:rPr lang="en-US" b="0" i="0" dirty="0" err="1">
-                <a:effectLst/>
-                <a:latin typeface="+mj-lt"/>
-              </a:rPr>
-              <a:t>Dosáhli</a:t>
-            </a:r>
-            <a:r>
-              <a:rPr lang="en-US" b="0" i="0" dirty="0">
-                <a:effectLst/>
-                <a:latin typeface="+mj-lt"/>
-              </a:rPr>
-              <a:t> </a:t>
-            </a:r>
-            <a:r>
-              <a:rPr lang="en-US" b="0" i="0" dirty="0" err="1">
-                <a:effectLst/>
-                <a:latin typeface="+mj-lt"/>
-              </a:rPr>
-              <a:t>jsme</a:t>
-            </a:r>
-            <a:r>
-              <a:rPr lang="en-US" b="0" i="0" dirty="0">
-                <a:effectLst/>
-                <a:latin typeface="+mj-lt"/>
-              </a:rPr>
-              <a:t> </a:t>
-            </a:r>
-            <a:r>
-              <a:rPr lang="en-US" b="0" i="0" dirty="0" err="1">
-                <a:effectLst/>
-                <a:latin typeface="+mj-lt"/>
-              </a:rPr>
-              <a:t>většiny</a:t>
-            </a:r>
-            <a:r>
-              <a:rPr lang="en-US" b="0" i="0" dirty="0">
-                <a:effectLst/>
-                <a:latin typeface="+mj-lt"/>
-              </a:rPr>
-              <a:t> </a:t>
-            </a:r>
-            <a:r>
-              <a:rPr lang="en-US" b="0" i="0" dirty="0" err="1">
-                <a:effectLst/>
-                <a:latin typeface="+mj-lt"/>
-              </a:rPr>
-              <a:t>cílů</a:t>
-            </a:r>
-            <a:r>
-              <a:rPr lang="en-US" b="0" i="0" dirty="0">
-                <a:effectLst/>
-                <a:latin typeface="+mj-lt"/>
-              </a:rPr>
-              <a:t> v </a:t>
-            </a:r>
-            <a:r>
-              <a:rPr lang="en-US" b="0" i="0" dirty="0" err="1">
-                <a:effectLst/>
-                <a:latin typeface="+mj-lt"/>
-              </a:rPr>
-              <a:t>rámci</a:t>
-            </a:r>
-            <a:r>
-              <a:rPr lang="en-US" b="0" i="0" dirty="0">
-                <a:effectLst/>
-                <a:latin typeface="+mj-lt"/>
-              </a:rPr>
-              <a:t> </a:t>
-            </a:r>
-            <a:r>
-              <a:rPr lang="en-US" b="0" i="0" dirty="0" err="1">
-                <a:effectLst/>
-                <a:latin typeface="+mj-lt"/>
-              </a:rPr>
-              <a:t>implementace</a:t>
-            </a:r>
-            <a:r>
-              <a:rPr lang="en-US" b="0" i="0" dirty="0">
-                <a:effectLst/>
-                <a:latin typeface="+mj-lt"/>
-              </a:rPr>
-              <a:t> NIS2 a </a:t>
-            </a:r>
-            <a:r>
-              <a:rPr lang="en-US" b="0" i="0" dirty="0" err="1">
-                <a:effectLst/>
-                <a:latin typeface="+mj-lt"/>
-              </a:rPr>
-              <a:t>nového</a:t>
-            </a:r>
-            <a:r>
-              <a:rPr lang="en-US" b="0" i="0" dirty="0">
-                <a:effectLst/>
-                <a:latin typeface="+mj-lt"/>
-              </a:rPr>
-              <a:t> </a:t>
-            </a:r>
-            <a:r>
-              <a:rPr lang="en-US" b="0" i="0" dirty="0" err="1">
-                <a:effectLst/>
-                <a:latin typeface="+mj-lt"/>
-              </a:rPr>
-              <a:t>Zákonu</a:t>
-            </a:r>
-            <a:r>
-              <a:rPr lang="en-US" b="0" i="0" dirty="0">
-                <a:effectLst/>
-                <a:latin typeface="+mj-lt"/>
-              </a:rPr>
-              <a:t> o </a:t>
-            </a:r>
-            <a:r>
-              <a:rPr lang="en-US" b="0" i="0" dirty="0" err="1">
-                <a:effectLst/>
-                <a:latin typeface="+mj-lt"/>
-              </a:rPr>
-              <a:t>Kybernetické</a:t>
-            </a:r>
-            <a:r>
-              <a:rPr lang="en-US" b="0" i="0" dirty="0">
-                <a:effectLst/>
-                <a:latin typeface="+mj-lt"/>
-              </a:rPr>
-              <a:t> </a:t>
-            </a:r>
-            <a:r>
-              <a:rPr lang="en-US" b="0" i="0" dirty="0" err="1">
-                <a:effectLst/>
-                <a:latin typeface="+mj-lt"/>
-              </a:rPr>
-              <a:t>bezpečnosti</a:t>
-            </a:r>
-            <a:r>
-              <a:rPr lang="en-US" b="0" i="0" dirty="0">
-                <a:effectLst/>
-                <a:latin typeface="+mj-lt"/>
-              </a:rPr>
-              <a:t> (ZoKB), </a:t>
-            </a:r>
-            <a:r>
-              <a:rPr lang="en-US" b="0" i="0" dirty="0" err="1">
-                <a:effectLst/>
-                <a:latin typeface="+mj-lt"/>
-              </a:rPr>
-              <a:t>přestože</a:t>
-            </a:r>
-            <a:r>
-              <a:rPr lang="en-US" b="0" i="0" dirty="0">
-                <a:effectLst/>
-                <a:latin typeface="+mj-lt"/>
-              </a:rPr>
-              <a:t> se </a:t>
-            </a:r>
-            <a:r>
-              <a:rPr lang="en-US" b="0" i="0" dirty="0" err="1">
-                <a:effectLst/>
-                <a:latin typeface="+mj-lt"/>
-              </a:rPr>
-              <a:t>jedná</a:t>
-            </a:r>
-            <a:r>
-              <a:rPr lang="en-US" b="0" i="0" dirty="0">
-                <a:effectLst/>
-                <a:latin typeface="+mj-lt"/>
-              </a:rPr>
-              <a:t> o </a:t>
-            </a:r>
-            <a:r>
-              <a:rPr lang="en-US" b="0" i="0" dirty="0" err="1">
-                <a:effectLst/>
-                <a:latin typeface="+mj-lt"/>
-              </a:rPr>
-              <a:t>velmi</a:t>
-            </a:r>
-            <a:r>
-              <a:rPr lang="en-US" b="0" i="0" dirty="0">
-                <a:effectLst/>
-                <a:latin typeface="+mj-lt"/>
-              </a:rPr>
-              <a:t> </a:t>
-            </a:r>
-            <a:r>
-              <a:rPr lang="en-US" b="0" i="0" dirty="0" err="1">
-                <a:effectLst/>
-                <a:latin typeface="+mj-lt"/>
-              </a:rPr>
-              <a:t>složitou</a:t>
-            </a:r>
-            <a:r>
-              <a:rPr lang="en-US" b="0" i="0" dirty="0">
-                <a:effectLst/>
-                <a:latin typeface="+mj-lt"/>
-              </a:rPr>
-              <a:t> a </a:t>
-            </a:r>
-            <a:r>
-              <a:rPr lang="en-US" b="0" i="0" dirty="0" err="1">
-                <a:effectLst/>
-                <a:latin typeface="+mj-lt"/>
-              </a:rPr>
-              <a:t>dynamickou</a:t>
-            </a:r>
-            <a:r>
-              <a:rPr lang="en-US" b="0" i="0" dirty="0">
-                <a:effectLst/>
-                <a:latin typeface="+mj-lt"/>
-              </a:rPr>
-              <a:t> oblast. </a:t>
-            </a:r>
-            <a:endParaRPr lang="cs-CZ" b="0" i="0" dirty="0">
+            <a:pPr algn="l"/>
+            <a:r>
+              <a:rPr lang="cs-CZ" sz="2000" b="0" i="0" dirty="0">
+                <a:effectLst/>
+                <a:latin typeface="+mj-lt"/>
+              </a:rPr>
+              <a:t>Teď pod zákon spadalo 44 organizací ve zdravotnictví.</a:t>
+            </a:r>
+          </a:p>
+          <a:p>
+            <a:pPr algn="l"/>
+            <a:r>
+              <a:rPr lang="cs-CZ" sz="2000" b="0" i="0" dirty="0">
+                <a:effectLst/>
+                <a:latin typeface="+mj-lt"/>
+              </a:rPr>
+              <a:t>Nově platí na každou nemocnici</a:t>
+            </a:r>
+            <a:r>
+              <a:rPr lang="cs-CZ" sz="2000" b="0" dirty="0">
+                <a:latin typeface="+mj-lt"/>
+              </a:rPr>
+              <a:t>, hospice nebo výrobnu léčiv kromě malých podniků o 50 zaměstnancích.</a:t>
+            </a:r>
+          </a:p>
+          <a:p>
+            <a:pPr algn="l"/>
+            <a:endParaRPr lang="cs-CZ" sz="2000" b="0" i="0" dirty="0">
               <a:effectLst/>
-              <a:latin typeface="+mj-lt"/>
-            </a:endParaRPr>
-          </a:p>
-          <a:p>
-            <a:endParaRPr lang="cs-CZ" b="0" dirty="0">
-              <a:latin typeface="+mj-lt"/>
-            </a:endParaRPr>
-          </a:p>
-          <a:p>
-            <a:r>
-              <a:rPr lang="en-US" b="0" i="0" dirty="0" err="1">
-                <a:effectLst/>
-                <a:latin typeface="+mj-lt"/>
-              </a:rPr>
-              <a:t>Nový</a:t>
-            </a:r>
-            <a:r>
-              <a:rPr lang="en-US" b="0" i="0" dirty="0">
-                <a:effectLst/>
-                <a:latin typeface="+mj-lt"/>
-              </a:rPr>
-              <a:t> ZoKB je </a:t>
-            </a:r>
-            <a:r>
-              <a:rPr lang="en-US" b="0" i="0" dirty="0" err="1">
-                <a:effectLst/>
-                <a:latin typeface="+mj-lt"/>
-              </a:rPr>
-              <a:t>stále</a:t>
-            </a:r>
-            <a:r>
-              <a:rPr lang="en-US" b="0" i="0" dirty="0">
-                <a:effectLst/>
-                <a:latin typeface="+mj-lt"/>
-              </a:rPr>
-              <a:t> v </a:t>
-            </a:r>
-            <a:r>
-              <a:rPr lang="en-US" b="0" i="0" dirty="0" err="1">
-                <a:effectLst/>
-                <a:latin typeface="+mj-lt"/>
-              </a:rPr>
-              <a:t>procesu</a:t>
-            </a:r>
-            <a:r>
-              <a:rPr lang="en-US" b="0" i="0" dirty="0">
-                <a:effectLst/>
-                <a:latin typeface="+mj-lt"/>
-              </a:rPr>
-              <a:t> </a:t>
-            </a:r>
-            <a:r>
-              <a:rPr lang="en-US" b="0" i="0" dirty="0" err="1">
-                <a:effectLst/>
-                <a:latin typeface="+mj-lt"/>
-              </a:rPr>
-              <a:t>schvalování</a:t>
-            </a:r>
-            <a:r>
-              <a:rPr lang="en-US" b="0" i="0" dirty="0">
-                <a:effectLst/>
-                <a:latin typeface="+mj-lt"/>
-              </a:rPr>
-              <a:t>, </a:t>
-            </a:r>
-            <a:r>
-              <a:rPr lang="en-US" b="0" i="0" dirty="0" err="1">
-                <a:effectLst/>
-                <a:latin typeface="+mj-lt"/>
-              </a:rPr>
-              <a:t>což</a:t>
-            </a:r>
-            <a:r>
-              <a:rPr lang="en-US" b="0" i="0" dirty="0">
-                <a:effectLst/>
-                <a:latin typeface="+mj-lt"/>
-              </a:rPr>
-              <a:t> </a:t>
-            </a:r>
-            <a:r>
-              <a:rPr lang="en-US" b="0" i="0" dirty="0" err="1">
-                <a:effectLst/>
-                <a:latin typeface="+mj-lt"/>
-              </a:rPr>
-              <a:t>nám</a:t>
-            </a:r>
-            <a:r>
-              <a:rPr lang="en-US" b="0" i="0" dirty="0">
-                <a:effectLst/>
-                <a:latin typeface="+mj-lt"/>
-              </a:rPr>
-              <a:t> </a:t>
-            </a:r>
-            <a:r>
-              <a:rPr lang="en-US" b="0" i="0" dirty="0" err="1">
-                <a:effectLst/>
-                <a:latin typeface="+mj-lt"/>
-              </a:rPr>
-              <a:t>klade</a:t>
-            </a:r>
-            <a:r>
-              <a:rPr lang="en-US" b="0" i="0" dirty="0">
-                <a:effectLst/>
-                <a:latin typeface="+mj-lt"/>
-              </a:rPr>
-              <a:t> </a:t>
-            </a:r>
-            <a:r>
-              <a:rPr lang="en-US" b="0" i="0" dirty="0" err="1">
-                <a:effectLst/>
-                <a:latin typeface="+mj-lt"/>
-              </a:rPr>
-              <a:t>značné</a:t>
-            </a:r>
-            <a:r>
-              <a:rPr lang="en-US" b="0" i="0" dirty="0">
-                <a:effectLst/>
-                <a:latin typeface="+mj-lt"/>
-              </a:rPr>
-              <a:t> </a:t>
-            </a:r>
-            <a:r>
-              <a:rPr lang="en-US" b="0" i="0" dirty="0" err="1">
-                <a:effectLst/>
-                <a:latin typeface="+mj-lt"/>
-              </a:rPr>
-              <a:t>výzvy</a:t>
-            </a:r>
-            <a:r>
-              <a:rPr lang="en-US" b="0" i="0" dirty="0">
-                <a:effectLst/>
-                <a:latin typeface="+mj-lt"/>
-              </a:rPr>
-              <a:t> </a:t>
-            </a:r>
-            <a:r>
-              <a:rPr lang="en-US" b="0" i="0" dirty="0" err="1">
-                <a:effectLst/>
-                <a:latin typeface="+mj-lt"/>
-              </a:rPr>
-              <a:t>při</a:t>
-            </a:r>
-            <a:r>
-              <a:rPr lang="en-US" b="0" i="0" dirty="0">
-                <a:effectLst/>
-                <a:latin typeface="+mj-lt"/>
-              </a:rPr>
-              <a:t> </a:t>
-            </a:r>
-            <a:r>
-              <a:rPr lang="en-US" b="0" i="0" dirty="0" err="1">
-                <a:effectLst/>
-                <a:latin typeface="+mj-lt"/>
-              </a:rPr>
-              <a:t>plánování</a:t>
-            </a:r>
-            <a:r>
-              <a:rPr lang="en-US" b="0" i="0" dirty="0">
-                <a:effectLst/>
-                <a:latin typeface="+mj-lt"/>
-              </a:rPr>
-              <a:t> a </a:t>
-            </a:r>
-            <a:r>
-              <a:rPr lang="en-US" b="0" i="0" dirty="0" err="1">
-                <a:effectLst/>
-                <a:latin typeface="+mj-lt"/>
-              </a:rPr>
-              <a:t>přípravě</a:t>
-            </a:r>
-            <a:r>
-              <a:rPr lang="en-US" b="0" i="0" dirty="0">
-                <a:effectLst/>
-                <a:latin typeface="+mj-lt"/>
-              </a:rPr>
-              <a:t>. </a:t>
-            </a:r>
-            <a:endParaRPr lang="cs-CZ" b="0" i="0" dirty="0">
-              <a:effectLst/>
-              <a:latin typeface="+mj-lt"/>
-            </a:endParaRPr>
-          </a:p>
-          <a:p>
-            <a:endParaRPr lang="cs-CZ" b="0" dirty="0">
-              <a:latin typeface="+mj-lt"/>
-            </a:endParaRPr>
-          </a:p>
-          <a:p>
-            <a:r>
-              <a:rPr lang="en-US" b="0" i="0" dirty="0" err="1">
-                <a:effectLst/>
-                <a:latin typeface="+mj-lt"/>
-              </a:rPr>
-              <a:t>Naše</a:t>
-            </a:r>
-            <a:r>
-              <a:rPr lang="en-US" b="0" i="0" dirty="0">
-                <a:effectLst/>
-                <a:latin typeface="+mj-lt"/>
-              </a:rPr>
-              <a:t> </a:t>
-            </a:r>
-            <a:r>
-              <a:rPr lang="en-US" b="0" i="0" dirty="0" err="1">
-                <a:effectLst/>
-                <a:latin typeface="+mj-lt"/>
-              </a:rPr>
-              <a:t>strategie</a:t>
-            </a:r>
-            <a:r>
-              <a:rPr lang="en-US" b="0" i="0" dirty="0">
-                <a:effectLst/>
-                <a:latin typeface="+mj-lt"/>
-              </a:rPr>
-              <a:t> </a:t>
-            </a:r>
-            <a:r>
-              <a:rPr lang="en-US" b="0" i="0" dirty="0" err="1">
-                <a:effectLst/>
-                <a:latin typeface="+mj-lt"/>
-              </a:rPr>
-              <a:t>musí</a:t>
-            </a:r>
-            <a:r>
-              <a:rPr lang="en-US" b="0" i="0" dirty="0">
-                <a:effectLst/>
-                <a:latin typeface="+mj-lt"/>
-              </a:rPr>
-              <a:t> </a:t>
-            </a:r>
-            <a:r>
-              <a:rPr lang="en-US" b="0" i="0" dirty="0" err="1">
-                <a:effectLst/>
-                <a:latin typeface="+mj-lt"/>
-              </a:rPr>
-              <a:t>být</a:t>
-            </a:r>
-            <a:r>
-              <a:rPr lang="en-US" b="0" i="0" dirty="0">
-                <a:effectLst/>
-                <a:latin typeface="+mj-lt"/>
-              </a:rPr>
-              <a:t> </a:t>
-            </a:r>
-            <a:r>
-              <a:rPr lang="en-US" b="0" i="0" dirty="0" err="1">
-                <a:effectLst/>
-                <a:latin typeface="+mj-lt"/>
-              </a:rPr>
-              <a:t>dostatečně</a:t>
-            </a:r>
-            <a:r>
-              <a:rPr lang="en-US" b="0" i="0" dirty="0">
-                <a:effectLst/>
-                <a:latin typeface="+mj-lt"/>
-              </a:rPr>
-              <a:t> </a:t>
-            </a:r>
-            <a:r>
-              <a:rPr lang="en-US" b="0" i="0" dirty="0" err="1">
-                <a:effectLst/>
-                <a:latin typeface="+mj-lt"/>
-              </a:rPr>
-              <a:t>flexibilní</a:t>
-            </a:r>
-            <a:r>
-              <a:rPr lang="en-US" b="0" i="0" dirty="0">
-                <a:effectLst/>
-                <a:latin typeface="+mj-lt"/>
-              </a:rPr>
-              <a:t>, aby se </a:t>
-            </a:r>
-            <a:r>
-              <a:rPr lang="en-US" b="0" i="0" dirty="0" err="1">
-                <a:effectLst/>
-                <a:latin typeface="+mj-lt"/>
-              </a:rPr>
-              <a:t>přizpůsobily</a:t>
-            </a:r>
-            <a:r>
-              <a:rPr lang="en-US" b="0" i="0" dirty="0">
-                <a:effectLst/>
-                <a:latin typeface="+mj-lt"/>
-              </a:rPr>
-              <a:t> </a:t>
-            </a:r>
-            <a:r>
-              <a:rPr lang="en-US" b="0" i="0" dirty="0" err="1">
-                <a:effectLst/>
-                <a:latin typeface="+mj-lt"/>
-              </a:rPr>
-              <a:t>jakýmkoliv</a:t>
-            </a:r>
-            <a:r>
-              <a:rPr lang="en-US" b="0" i="0" dirty="0">
-                <a:effectLst/>
-                <a:latin typeface="+mj-lt"/>
-              </a:rPr>
-              <a:t> </a:t>
-            </a:r>
-            <a:r>
-              <a:rPr lang="en-US" b="0" i="0" dirty="0" err="1">
-                <a:effectLst/>
-                <a:latin typeface="+mj-lt"/>
-              </a:rPr>
-              <a:t>dalším</a:t>
-            </a:r>
-            <a:r>
-              <a:rPr lang="en-US" b="0" i="0" dirty="0">
-                <a:effectLst/>
-                <a:latin typeface="+mj-lt"/>
-              </a:rPr>
-              <a:t> </a:t>
-            </a:r>
-            <a:r>
-              <a:rPr lang="en-US" b="0" i="0" dirty="0" err="1">
-                <a:effectLst/>
-                <a:latin typeface="+mj-lt"/>
-              </a:rPr>
-              <a:t>změnám</a:t>
-            </a:r>
-            <a:r>
-              <a:rPr lang="en-US" b="0" i="0" dirty="0">
-                <a:effectLst/>
-                <a:latin typeface="+mj-lt"/>
-              </a:rPr>
-              <a:t> v </a:t>
-            </a:r>
-            <a:r>
-              <a:rPr lang="en-US" b="0" i="0" dirty="0" err="1">
-                <a:effectLst/>
-                <a:latin typeface="+mj-lt"/>
-              </a:rPr>
-              <a:t>zákoně</a:t>
-            </a:r>
-            <a:r>
-              <a:rPr lang="en-US" b="0" i="0" dirty="0">
-                <a:effectLst/>
-                <a:latin typeface="+mj-lt"/>
-              </a:rPr>
-              <a:t>. </a:t>
-            </a:r>
-            <a:endParaRPr lang="en-US" dirty="0">
               <a:latin typeface="+mj-lt"/>
             </a:endParaRPr>
           </a:p>
@@ -4611,7 +3693,7 @@
     </p:spTree>
     <p:extLst>
       <p:ext uri="{BB962C8B-B14F-4D97-AF65-F5344CB8AC3E}">
-        <p14:creationId xmlns:p14="http://schemas.microsoft.com/office/powerpoint/2010/main" val="2583536430"/>
+        <p14:creationId xmlns:p14="http://schemas.microsoft.com/office/powerpoint/2010/main" val="3340869132"/>
       </p:ext>
     </p:extLst>
   </p:cSld>
@@ -4656,8 +3738,42 @@
         </p:nvSpPr>
         <p:spPr>
           <a:xfrm>
-            <a:off x="1371795" y="2705668"/>
+            <a:off x="2246326" y="197884"/>
             <a:ext cx="7736694" cy="1446663"/>
+          </a:xfrm>
+        </p:spPr>
+        <p:txBody>
+          <a:bodyPr/>
+          <a:lstStyle/>
+          <a:p>
+            <a:r>
+              <a:rPr lang="en-US" dirty="0" err="1"/>
+              <a:t>Závěr</a:t>
+            </a:r>
+            <a:endParaRPr lang="en-US" dirty="0"/>
+          </a:p>
+        </p:txBody>
+      </p:sp>
+      <p:sp>
+        <p:nvSpPr>
+          <p:cNvPr id="3" name="Subtitle 2">
+            <a:extLst>
+              <a:ext uri="{FF2B5EF4-FFF2-40B4-BE49-F238E27FC236}">
+                <a16:creationId xmlns:a16="http://schemas.microsoft.com/office/drawing/2014/main" id="{2228A7AF-0E14-2946-2CF0-1DB74E60AE05}"/>
+              </a:ext>
+            </a:extLst>
+          </p:cNvPr>
+          <p:cNvSpPr>
+            <a:spLocks noGrp="1"/>
+          </p:cNvSpPr>
+          <p:nvPr>
+            <p:ph type="subTitle" idx="1"/>
+          </p:nvPr>
+        </p:nvSpPr>
+        <p:spPr>
+          <a:xfrm>
+            <a:off x="243281" y="1463685"/>
+            <a:ext cx="7994829" cy="3930629"/>
           </a:xfrm>
         </p:spPr>
         <p:txBody>
@@ -4667,17 +3783,569 @@
           <a:lstStyle/>
           <a:p>
             <a:r>
-              <a:rPr lang="cs-CZ" sz="6000" dirty="0"/>
-              <a:t>Děkuji za pozornost</a:t>
-            </a:r>
-            <a:endParaRPr lang="en-US" sz="6000" dirty="0"/>
+              <a:rPr lang="en-US" b="0" i="0" dirty="0" err="1">
+                <a:effectLst/>
+                <a:latin typeface="+mj-lt"/>
+              </a:rPr>
+              <a:t>Dosáhli</a:t>
+            </a:r>
+            <a:r>
+              <a:rPr lang="en-US" b="0" i="0" dirty="0">
+                <a:effectLst/>
+                <a:latin typeface="+mj-lt"/>
+              </a:rPr>
+              <a:t> </a:t>
+            </a:r>
+            <a:r>
+              <a:rPr lang="en-US" b="0" i="0" dirty="0" err="1">
+                <a:effectLst/>
+                <a:latin typeface="+mj-lt"/>
+              </a:rPr>
+              <a:t>jsme</a:t>
+            </a:r>
+            <a:r>
+              <a:rPr lang="en-US" b="0" i="0" dirty="0">
+                <a:effectLst/>
+                <a:latin typeface="+mj-lt"/>
+              </a:rPr>
+              <a:t> </a:t>
+            </a:r>
+            <a:r>
+              <a:rPr lang="en-US" b="0" i="0" dirty="0" err="1">
+                <a:effectLst/>
+                <a:latin typeface="+mj-lt"/>
+              </a:rPr>
+              <a:t>většiny</a:t>
+            </a:r>
+            <a:r>
+              <a:rPr lang="en-US" b="0" i="0" dirty="0">
+                <a:effectLst/>
+                <a:latin typeface="+mj-lt"/>
+              </a:rPr>
+              <a:t> </a:t>
+            </a:r>
+            <a:r>
+              <a:rPr lang="en-US" b="0" i="0" dirty="0" err="1">
+                <a:effectLst/>
+                <a:latin typeface="+mj-lt"/>
+              </a:rPr>
+              <a:t>cílů</a:t>
+            </a:r>
+            <a:r>
+              <a:rPr lang="en-US" b="0" i="0" dirty="0">
+                <a:effectLst/>
+                <a:latin typeface="+mj-lt"/>
+              </a:rPr>
+              <a:t> v </a:t>
+            </a:r>
+            <a:r>
+              <a:rPr lang="en-US" b="0" i="0" dirty="0" err="1">
+                <a:effectLst/>
+                <a:latin typeface="+mj-lt"/>
+              </a:rPr>
+              <a:t>rámci</a:t>
+            </a:r>
+            <a:r>
+              <a:rPr lang="en-US" b="0" i="0" dirty="0">
+                <a:effectLst/>
+                <a:latin typeface="+mj-lt"/>
+              </a:rPr>
+              <a:t> </a:t>
+            </a:r>
+            <a:r>
+              <a:rPr lang="en-US" b="0" i="0" dirty="0" err="1">
+                <a:effectLst/>
+                <a:latin typeface="+mj-lt"/>
+              </a:rPr>
+              <a:t>implementace</a:t>
+            </a:r>
+            <a:r>
+              <a:rPr lang="en-US" b="0" i="0" dirty="0">
+                <a:effectLst/>
+                <a:latin typeface="+mj-lt"/>
+              </a:rPr>
+              <a:t> NIS2 a </a:t>
+            </a:r>
+            <a:r>
+              <a:rPr lang="en-US" b="0" i="0" dirty="0" err="1">
+                <a:effectLst/>
+                <a:latin typeface="+mj-lt"/>
+              </a:rPr>
+              <a:t>nového</a:t>
+            </a:r>
+            <a:r>
+              <a:rPr lang="en-US" b="0" i="0" dirty="0">
+                <a:effectLst/>
+                <a:latin typeface="+mj-lt"/>
+              </a:rPr>
+              <a:t> </a:t>
+            </a:r>
+            <a:r>
+              <a:rPr lang="en-US" b="0" i="0" dirty="0" err="1">
+                <a:effectLst/>
+                <a:latin typeface="+mj-lt"/>
+              </a:rPr>
+              <a:t>Zákonu</a:t>
+            </a:r>
+            <a:r>
+              <a:rPr lang="en-US" b="0" i="0" dirty="0">
+                <a:effectLst/>
+                <a:latin typeface="+mj-lt"/>
+              </a:rPr>
+              <a:t> o </a:t>
+            </a:r>
+            <a:r>
+              <a:rPr lang="en-US" b="0" i="0" dirty="0" err="1">
+                <a:effectLst/>
+                <a:latin typeface="+mj-lt"/>
+              </a:rPr>
+              <a:t>Kybernetické</a:t>
+            </a:r>
+            <a:r>
+              <a:rPr lang="en-US" b="0" i="0" dirty="0">
+                <a:effectLst/>
+                <a:latin typeface="+mj-lt"/>
+              </a:rPr>
+              <a:t> </a:t>
+            </a:r>
+            <a:r>
+              <a:rPr lang="en-US" b="0" i="0" dirty="0" err="1">
+                <a:effectLst/>
+                <a:latin typeface="+mj-lt"/>
+              </a:rPr>
+              <a:t>bezpečnosti</a:t>
+            </a:r>
+            <a:r>
+              <a:rPr lang="en-US" b="0" i="0" dirty="0">
+                <a:effectLst/>
+                <a:latin typeface="+mj-lt"/>
+              </a:rPr>
+              <a:t> (ZoKB), </a:t>
+            </a:r>
+            <a:r>
+              <a:rPr lang="en-US" b="0" i="0" dirty="0" err="1">
+                <a:effectLst/>
+                <a:latin typeface="+mj-lt"/>
+              </a:rPr>
+              <a:t>přestože</a:t>
+            </a:r>
+            <a:r>
+              <a:rPr lang="en-US" b="0" i="0" dirty="0">
+                <a:effectLst/>
+                <a:latin typeface="+mj-lt"/>
+              </a:rPr>
+              <a:t> se </a:t>
+            </a:r>
+            <a:r>
+              <a:rPr lang="en-US" b="0" i="0" dirty="0" err="1">
+                <a:effectLst/>
+                <a:latin typeface="+mj-lt"/>
+              </a:rPr>
+              <a:t>jedná</a:t>
+            </a:r>
+            <a:r>
+              <a:rPr lang="en-US" b="0" i="0" dirty="0">
+                <a:effectLst/>
+                <a:latin typeface="+mj-lt"/>
+              </a:rPr>
+              <a:t> o </a:t>
+            </a:r>
+            <a:r>
+              <a:rPr lang="en-US" b="0" i="0" dirty="0" err="1">
+                <a:effectLst/>
+                <a:latin typeface="+mj-lt"/>
+              </a:rPr>
+              <a:t>velmi</a:t>
+            </a:r>
+            <a:r>
+              <a:rPr lang="en-US" b="0" i="0" dirty="0">
+                <a:effectLst/>
+                <a:latin typeface="+mj-lt"/>
+              </a:rPr>
+              <a:t> </a:t>
+            </a:r>
+            <a:r>
+              <a:rPr lang="en-US" b="0" i="0" dirty="0" err="1">
+                <a:effectLst/>
+                <a:latin typeface="+mj-lt"/>
+              </a:rPr>
+              <a:t>složitou</a:t>
+            </a:r>
+            <a:r>
+              <a:rPr lang="en-US" b="0" i="0" dirty="0">
+                <a:effectLst/>
+                <a:latin typeface="+mj-lt"/>
+              </a:rPr>
+              <a:t> a </a:t>
+            </a:r>
+            <a:r>
+              <a:rPr lang="en-US" b="0" i="0" dirty="0" err="1">
+                <a:effectLst/>
+                <a:latin typeface="+mj-lt"/>
+              </a:rPr>
+              <a:t>dynamickou</a:t>
+            </a:r>
+            <a:r>
+              <a:rPr lang="en-US" b="0" i="0" dirty="0">
+                <a:effectLst/>
+                <a:latin typeface="+mj-lt"/>
+              </a:rPr>
+              <a:t> oblast. </a:t>
+            </a:r>
+            <a:endParaRPr lang="cs-CZ" b="0" i="0" dirty="0">
+              <a:effectLst/>
+              <a:latin typeface="+mj-lt"/>
+            </a:endParaRPr>
+          </a:p>
+          <a:p>
+            <a:endParaRPr lang="cs-CZ" b="0" dirty="0">
+              <a:latin typeface="+mj-lt"/>
+            </a:endParaRPr>
+          </a:p>
+          <a:p>
+            <a:r>
+              <a:rPr lang="en-US" b="0" i="0" dirty="0" err="1">
+                <a:effectLst/>
+                <a:latin typeface="+mj-lt"/>
+              </a:rPr>
+              <a:t>Nový</a:t>
+            </a:r>
+            <a:r>
+              <a:rPr lang="en-US" b="0" i="0" dirty="0">
+                <a:effectLst/>
+                <a:latin typeface="+mj-lt"/>
+              </a:rPr>
+              <a:t> ZoKB je </a:t>
+            </a:r>
+            <a:r>
+              <a:rPr lang="en-US" b="0" i="0" dirty="0" err="1">
+                <a:effectLst/>
+                <a:latin typeface="+mj-lt"/>
+              </a:rPr>
+              <a:t>stále</a:t>
+            </a:r>
+            <a:r>
+              <a:rPr lang="en-US" b="0" i="0" dirty="0">
+                <a:effectLst/>
+                <a:latin typeface="+mj-lt"/>
+              </a:rPr>
+              <a:t> v </a:t>
+            </a:r>
+            <a:r>
+              <a:rPr lang="en-US" b="0" i="0" dirty="0" err="1">
+                <a:effectLst/>
+                <a:latin typeface="+mj-lt"/>
+              </a:rPr>
+              <a:t>procesu</a:t>
+            </a:r>
+            <a:r>
+              <a:rPr lang="en-US" b="0" i="0" dirty="0">
+                <a:effectLst/>
+                <a:latin typeface="+mj-lt"/>
+              </a:rPr>
+              <a:t> </a:t>
+            </a:r>
+            <a:r>
+              <a:rPr lang="en-US" b="0" i="0" dirty="0" err="1">
+                <a:effectLst/>
+                <a:latin typeface="+mj-lt"/>
+              </a:rPr>
+              <a:t>schvalování</a:t>
+            </a:r>
+            <a:r>
+              <a:rPr lang="en-US" b="0" i="0" dirty="0">
+                <a:effectLst/>
+                <a:latin typeface="+mj-lt"/>
+              </a:rPr>
+              <a:t>, </a:t>
+            </a:r>
+            <a:r>
+              <a:rPr lang="en-US" b="0" i="0" dirty="0" err="1">
+                <a:effectLst/>
+                <a:latin typeface="+mj-lt"/>
+              </a:rPr>
+              <a:t>což</a:t>
+            </a:r>
+            <a:r>
+              <a:rPr lang="en-US" b="0" i="0" dirty="0">
+                <a:effectLst/>
+                <a:latin typeface="+mj-lt"/>
+              </a:rPr>
+              <a:t> </a:t>
+            </a:r>
+            <a:r>
+              <a:rPr lang="en-US" b="0" i="0" dirty="0" err="1">
+                <a:effectLst/>
+                <a:latin typeface="+mj-lt"/>
+              </a:rPr>
+              <a:t>nám</a:t>
+            </a:r>
+            <a:r>
+              <a:rPr lang="en-US" b="0" i="0" dirty="0">
+                <a:effectLst/>
+                <a:latin typeface="+mj-lt"/>
+              </a:rPr>
+              <a:t> </a:t>
+            </a:r>
+            <a:r>
+              <a:rPr lang="en-US" b="0" i="0" dirty="0" err="1">
+                <a:effectLst/>
+                <a:latin typeface="+mj-lt"/>
+              </a:rPr>
+              <a:t>klade</a:t>
+            </a:r>
+            <a:r>
+              <a:rPr lang="en-US" b="0" i="0" dirty="0">
+                <a:effectLst/>
+                <a:latin typeface="+mj-lt"/>
+              </a:rPr>
+              <a:t> </a:t>
+            </a:r>
+            <a:r>
+              <a:rPr lang="en-US" b="0" i="0" dirty="0" err="1">
+                <a:effectLst/>
+                <a:latin typeface="+mj-lt"/>
+              </a:rPr>
+              <a:t>značné</a:t>
+            </a:r>
+            <a:r>
+              <a:rPr lang="en-US" b="0" i="0" dirty="0">
+                <a:effectLst/>
+                <a:latin typeface="+mj-lt"/>
+              </a:rPr>
+              <a:t> </a:t>
+            </a:r>
+            <a:r>
+              <a:rPr lang="en-US" b="0" i="0" dirty="0" err="1">
+                <a:effectLst/>
+                <a:latin typeface="+mj-lt"/>
+              </a:rPr>
+              <a:t>výzvy</a:t>
+            </a:r>
+            <a:r>
+              <a:rPr lang="en-US" b="0" i="0" dirty="0">
+                <a:effectLst/>
+                <a:latin typeface="+mj-lt"/>
+              </a:rPr>
+              <a:t> </a:t>
+            </a:r>
+            <a:r>
+              <a:rPr lang="en-US" b="0" i="0" dirty="0" err="1">
+                <a:effectLst/>
+                <a:latin typeface="+mj-lt"/>
+              </a:rPr>
+              <a:t>při</a:t>
+            </a:r>
+            <a:r>
+              <a:rPr lang="en-US" b="0" i="0" dirty="0">
+                <a:effectLst/>
+                <a:latin typeface="+mj-lt"/>
+              </a:rPr>
+              <a:t> </a:t>
+            </a:r>
+            <a:r>
+              <a:rPr lang="en-US" b="0" i="0" dirty="0" err="1">
+                <a:effectLst/>
+                <a:latin typeface="+mj-lt"/>
+              </a:rPr>
+              <a:t>plánování</a:t>
+            </a:r>
+            <a:r>
+              <a:rPr lang="en-US" b="0" i="0" dirty="0">
+                <a:effectLst/>
+                <a:latin typeface="+mj-lt"/>
+              </a:rPr>
+              <a:t> a </a:t>
+            </a:r>
+            <a:r>
+              <a:rPr lang="en-US" b="0" i="0" dirty="0" err="1">
+                <a:effectLst/>
+                <a:latin typeface="+mj-lt"/>
+              </a:rPr>
+              <a:t>přípravě</a:t>
+            </a:r>
+            <a:r>
+              <a:rPr lang="en-US" b="0" i="0" dirty="0">
+                <a:effectLst/>
+                <a:latin typeface="+mj-lt"/>
+              </a:rPr>
+              <a:t>. </a:t>
+            </a:r>
+            <a:endParaRPr lang="cs-CZ" b="0" i="0" dirty="0">
+              <a:effectLst/>
+              <a:latin typeface="+mj-lt"/>
+            </a:endParaRPr>
+          </a:p>
+          <a:p>
+            <a:endParaRPr lang="cs-CZ" b="0" dirty="0">
+              <a:latin typeface="+mj-lt"/>
+            </a:endParaRPr>
+          </a:p>
+          <a:p>
+            <a:r>
+              <a:rPr lang="en-US" b="0" i="0" dirty="0" err="1">
+                <a:effectLst/>
+                <a:latin typeface="+mj-lt"/>
+              </a:rPr>
+              <a:t>Naše</a:t>
+            </a:r>
+            <a:r>
+              <a:rPr lang="en-US" b="0" i="0" dirty="0">
+                <a:effectLst/>
+                <a:latin typeface="+mj-lt"/>
+              </a:rPr>
+              <a:t> </a:t>
+            </a:r>
+            <a:r>
+              <a:rPr lang="en-US" b="0" i="0" dirty="0" err="1">
+                <a:effectLst/>
+                <a:latin typeface="+mj-lt"/>
+              </a:rPr>
+              <a:t>strategie</a:t>
+            </a:r>
+            <a:r>
+              <a:rPr lang="en-US" b="0" i="0" dirty="0">
+                <a:effectLst/>
+                <a:latin typeface="+mj-lt"/>
+              </a:rPr>
+              <a:t> </a:t>
+            </a:r>
+            <a:r>
+              <a:rPr lang="en-US" b="0" i="0" dirty="0" err="1">
+                <a:effectLst/>
+                <a:latin typeface="+mj-lt"/>
+              </a:rPr>
+              <a:t>musí</a:t>
+            </a:r>
+            <a:r>
+              <a:rPr lang="en-US" b="0" i="0" dirty="0">
+                <a:effectLst/>
+                <a:latin typeface="+mj-lt"/>
+              </a:rPr>
+              <a:t> </a:t>
+            </a:r>
+            <a:r>
+              <a:rPr lang="en-US" b="0" i="0" dirty="0" err="1">
+                <a:effectLst/>
+                <a:latin typeface="+mj-lt"/>
+              </a:rPr>
+              <a:t>být</a:t>
+            </a:r>
+            <a:r>
+              <a:rPr lang="en-US" b="0" i="0" dirty="0">
+                <a:effectLst/>
+                <a:latin typeface="+mj-lt"/>
+              </a:rPr>
+              <a:t> </a:t>
+            </a:r>
+            <a:r>
+              <a:rPr lang="en-US" b="0" i="0" dirty="0" err="1">
+                <a:effectLst/>
+                <a:latin typeface="+mj-lt"/>
+              </a:rPr>
+              <a:t>dostatečně</a:t>
+            </a:r>
+            <a:r>
+              <a:rPr lang="en-US" b="0" i="0" dirty="0">
+                <a:effectLst/>
+                <a:latin typeface="+mj-lt"/>
+              </a:rPr>
+              <a:t> </a:t>
+            </a:r>
+            <a:r>
+              <a:rPr lang="en-US" b="0" i="0" dirty="0" err="1">
+                <a:effectLst/>
+                <a:latin typeface="+mj-lt"/>
+              </a:rPr>
+              <a:t>flexibilní</a:t>
+            </a:r>
+            <a:r>
+              <a:rPr lang="en-US" b="0" i="0" dirty="0">
+                <a:effectLst/>
+                <a:latin typeface="+mj-lt"/>
+              </a:rPr>
+              <a:t>, aby se </a:t>
+            </a:r>
+            <a:r>
+              <a:rPr lang="en-US" b="0" i="0" dirty="0" err="1">
+                <a:effectLst/>
+                <a:latin typeface="+mj-lt"/>
+              </a:rPr>
+              <a:t>přizpůsobily</a:t>
+            </a:r>
+            <a:r>
+              <a:rPr lang="en-US" b="0" i="0" dirty="0">
+                <a:effectLst/>
+                <a:latin typeface="+mj-lt"/>
+              </a:rPr>
+              <a:t> </a:t>
+            </a:r>
+            <a:r>
+              <a:rPr lang="en-US" b="0" i="0" dirty="0" err="1">
+                <a:effectLst/>
+                <a:latin typeface="+mj-lt"/>
+              </a:rPr>
+              <a:t>jakýmkoliv</a:t>
+            </a:r>
+            <a:r>
+              <a:rPr lang="en-US" b="0" i="0" dirty="0">
+                <a:effectLst/>
+                <a:latin typeface="+mj-lt"/>
+              </a:rPr>
+              <a:t> </a:t>
+            </a:r>
+            <a:r>
+              <a:rPr lang="en-US" b="0" i="0" dirty="0" err="1">
+                <a:effectLst/>
+                <a:latin typeface="+mj-lt"/>
+              </a:rPr>
+              <a:t>dalším</a:t>
+            </a:r>
+            <a:r>
+              <a:rPr lang="en-US" b="0" i="0" dirty="0">
+                <a:effectLst/>
+                <a:latin typeface="+mj-lt"/>
+              </a:rPr>
+              <a:t> </a:t>
+            </a:r>
+            <a:r>
+              <a:rPr lang="en-US" b="0" i="0" dirty="0" err="1">
+                <a:effectLst/>
+                <a:latin typeface="+mj-lt"/>
+              </a:rPr>
+              <a:t>změnám</a:t>
+            </a:r>
+            <a:r>
+              <a:rPr lang="en-US" b="0" i="0" dirty="0">
+                <a:effectLst/>
+                <a:latin typeface="+mj-lt"/>
+              </a:rPr>
+              <a:t> v </a:t>
+            </a:r>
+            <a:r>
+              <a:rPr lang="en-US" b="0" i="0" dirty="0" err="1">
+                <a:effectLst/>
+                <a:latin typeface="+mj-lt"/>
+              </a:rPr>
+              <a:t>zákoně</a:t>
+            </a:r>
+            <a:r>
+              <a:rPr lang="en-US" b="0" i="0" dirty="0">
+                <a:effectLst/>
+                <a:latin typeface="+mj-lt"/>
+              </a:rPr>
+              <a:t>. </a:t>
+            </a:r>
+            <a:endParaRPr lang="en-US" dirty="0">
+              <a:latin typeface="+mj-lt"/>
+            </a:endParaRPr>
           </a:p>
         </p:txBody>
       </p:sp>
     </p:spTree>
     <p:extLst>
       <p:ext uri="{BB962C8B-B14F-4D97-AF65-F5344CB8AC3E}">
-        <p14:creationId xmlns:p14="http://schemas.microsoft.com/office/powerpoint/2010/main" val="645034082"/>
+        <p14:creationId xmlns:p14="http://schemas.microsoft.com/office/powerpoint/2010/main" val="2583536430"/>
       </p:ext>
     </p:extLst>
   </p:cSld>
